--- a/1 기능 정의/project04 - 기능 정의 - 기범.pptx
+++ b/1 기능 정의/project04 - 기능 정의 - 기범.pptx
@@ -109,7 +109,7 @@
   </p:defaultTextStyle>
   <p:extLst>
     <p:ext uri="{EFAFB233-063F-42B5-8137-9DF3F51BA10A}">
-      <p15:sldGuideLst xmlns:p15="http://schemas.microsoft.com/office/powerpoint/2012/main" xmlns="">
+      <p15:sldGuideLst xmlns="" xmlns:p15="http://schemas.microsoft.com/office/powerpoint/2012/main">
         <p15:guide id="1" orient="horz" pos="2160">
           <p15:clr>
             <a:srgbClr val="A4A3A4"/>
@@ -258,7 +258,7 @@
             <a:fld id="{E0C64F5E-737F-4F6B-9F15-DAA8DB3BF429}" type="datetimeFigureOut">
               <a:rPr lang="ko-KR" altLang="en-US" smtClean="0"/>
               <a:pPr/>
-              <a:t>2020-02-28</a:t>
+              <a:t>2020-03-01</a:t>
             </a:fld>
             <a:endParaRPr lang="ko-KR" altLang="en-US"/>
           </a:p>
@@ -310,7 +310,7 @@
     </p:spTree>
     <p:extLst>
       <p:ext uri="{BB962C8B-B14F-4D97-AF65-F5344CB8AC3E}">
-        <p14:creationId xmlns:p14="http://schemas.microsoft.com/office/powerpoint/2010/main" val="3211947856"/>
+        <p14:creationId xmlns:p14="http://schemas.microsoft.com/office/powerpoint/2010/main" xmlns="" val="3211947856"/>
       </p:ext>
     </p:extLst>
   </p:cSld>
@@ -430,7 +430,7 @@
             <a:fld id="{E0C64F5E-737F-4F6B-9F15-DAA8DB3BF429}" type="datetimeFigureOut">
               <a:rPr lang="ko-KR" altLang="en-US" smtClean="0"/>
               <a:pPr/>
-              <a:t>2020-02-28</a:t>
+              <a:t>2020-03-01</a:t>
             </a:fld>
             <a:endParaRPr lang="ko-KR" altLang="en-US"/>
           </a:p>
@@ -482,7 +482,7 @@
     </p:spTree>
     <p:extLst>
       <p:ext uri="{BB962C8B-B14F-4D97-AF65-F5344CB8AC3E}">
-        <p14:creationId xmlns:p14="http://schemas.microsoft.com/office/powerpoint/2010/main" val="3557075651"/>
+        <p14:creationId xmlns:p14="http://schemas.microsoft.com/office/powerpoint/2010/main" xmlns="" val="3557075651"/>
       </p:ext>
     </p:extLst>
   </p:cSld>
@@ -612,7 +612,7 @@
             <a:fld id="{E0C64F5E-737F-4F6B-9F15-DAA8DB3BF429}" type="datetimeFigureOut">
               <a:rPr lang="ko-KR" altLang="en-US" smtClean="0"/>
               <a:pPr/>
-              <a:t>2020-02-28</a:t>
+              <a:t>2020-03-01</a:t>
             </a:fld>
             <a:endParaRPr lang="ko-KR" altLang="en-US"/>
           </a:p>
@@ -664,7 +664,7 @@
     </p:spTree>
     <p:extLst>
       <p:ext uri="{BB962C8B-B14F-4D97-AF65-F5344CB8AC3E}">
-        <p14:creationId xmlns:p14="http://schemas.microsoft.com/office/powerpoint/2010/main" val="2844809116"/>
+        <p14:creationId xmlns:p14="http://schemas.microsoft.com/office/powerpoint/2010/main" xmlns="" val="2844809116"/>
       </p:ext>
     </p:extLst>
   </p:cSld>
@@ -784,7 +784,7 @@
             <a:fld id="{E0C64F5E-737F-4F6B-9F15-DAA8DB3BF429}" type="datetimeFigureOut">
               <a:rPr lang="ko-KR" altLang="en-US" smtClean="0"/>
               <a:pPr/>
-              <a:t>2020-02-28</a:t>
+              <a:t>2020-03-01</a:t>
             </a:fld>
             <a:endParaRPr lang="ko-KR" altLang="en-US"/>
           </a:p>
@@ -836,7 +836,7 @@
     </p:spTree>
     <p:extLst>
       <p:ext uri="{BB962C8B-B14F-4D97-AF65-F5344CB8AC3E}">
-        <p14:creationId xmlns:p14="http://schemas.microsoft.com/office/powerpoint/2010/main" val="1326737202"/>
+        <p14:creationId xmlns:p14="http://schemas.microsoft.com/office/powerpoint/2010/main" xmlns="" val="1326737202"/>
       </p:ext>
     </p:extLst>
   </p:cSld>
@@ -1032,7 +1032,7 @@
             <a:fld id="{E0C64F5E-737F-4F6B-9F15-DAA8DB3BF429}" type="datetimeFigureOut">
               <a:rPr lang="ko-KR" altLang="en-US" smtClean="0"/>
               <a:pPr/>
-              <a:t>2020-02-28</a:t>
+              <a:t>2020-03-01</a:t>
             </a:fld>
             <a:endParaRPr lang="ko-KR" altLang="en-US"/>
           </a:p>
@@ -1084,7 +1084,7 @@
     </p:spTree>
     <p:extLst>
       <p:ext uri="{BB962C8B-B14F-4D97-AF65-F5344CB8AC3E}">
-        <p14:creationId xmlns:p14="http://schemas.microsoft.com/office/powerpoint/2010/main" val="2033943450"/>
+        <p14:creationId xmlns:p14="http://schemas.microsoft.com/office/powerpoint/2010/main" xmlns="" val="2033943450"/>
       </p:ext>
     </p:extLst>
   </p:cSld>
@@ -1266,7 +1266,7 @@
             <a:fld id="{E0C64F5E-737F-4F6B-9F15-DAA8DB3BF429}" type="datetimeFigureOut">
               <a:rPr lang="ko-KR" altLang="en-US" smtClean="0"/>
               <a:pPr/>
-              <a:t>2020-02-28</a:t>
+              <a:t>2020-03-01</a:t>
             </a:fld>
             <a:endParaRPr lang="ko-KR" altLang="en-US"/>
           </a:p>
@@ -1318,7 +1318,7 @@
     </p:spTree>
     <p:extLst>
       <p:ext uri="{BB962C8B-B14F-4D97-AF65-F5344CB8AC3E}">
-        <p14:creationId xmlns:p14="http://schemas.microsoft.com/office/powerpoint/2010/main" val="1221822053"/>
+        <p14:creationId xmlns:p14="http://schemas.microsoft.com/office/powerpoint/2010/main" xmlns="" val="1221822053"/>
       </p:ext>
     </p:extLst>
   </p:cSld>
@@ -1635,7 +1635,7 @@
             <a:fld id="{E0C64F5E-737F-4F6B-9F15-DAA8DB3BF429}" type="datetimeFigureOut">
               <a:rPr lang="ko-KR" altLang="en-US" smtClean="0"/>
               <a:pPr/>
-              <a:t>2020-02-28</a:t>
+              <a:t>2020-03-01</a:t>
             </a:fld>
             <a:endParaRPr lang="ko-KR" altLang="en-US"/>
           </a:p>
@@ -1687,7 +1687,7 @@
     </p:spTree>
     <p:extLst>
       <p:ext uri="{BB962C8B-B14F-4D97-AF65-F5344CB8AC3E}">
-        <p14:creationId xmlns:p14="http://schemas.microsoft.com/office/powerpoint/2010/main" val="1198756408"/>
+        <p14:creationId xmlns:p14="http://schemas.microsoft.com/office/powerpoint/2010/main" xmlns="" val="1198756408"/>
       </p:ext>
     </p:extLst>
   </p:cSld>
@@ -1755,7 +1755,7 @@
             <a:fld id="{E0C64F5E-737F-4F6B-9F15-DAA8DB3BF429}" type="datetimeFigureOut">
               <a:rPr lang="ko-KR" altLang="en-US" smtClean="0"/>
               <a:pPr/>
-              <a:t>2020-02-28</a:t>
+              <a:t>2020-03-01</a:t>
             </a:fld>
             <a:endParaRPr lang="ko-KR" altLang="en-US"/>
           </a:p>
@@ -1807,7 +1807,7 @@
     </p:spTree>
     <p:extLst>
       <p:ext uri="{BB962C8B-B14F-4D97-AF65-F5344CB8AC3E}">
-        <p14:creationId xmlns:p14="http://schemas.microsoft.com/office/powerpoint/2010/main" val="2662602006"/>
+        <p14:creationId xmlns:p14="http://schemas.microsoft.com/office/powerpoint/2010/main" xmlns="" val="2662602006"/>
       </p:ext>
     </p:extLst>
   </p:cSld>
@@ -1852,7 +1852,7 @@
             <a:fld id="{E0C64F5E-737F-4F6B-9F15-DAA8DB3BF429}" type="datetimeFigureOut">
               <a:rPr lang="ko-KR" altLang="en-US" smtClean="0"/>
               <a:pPr/>
-              <a:t>2020-02-28</a:t>
+              <a:t>2020-03-01</a:t>
             </a:fld>
             <a:endParaRPr lang="ko-KR" altLang="en-US"/>
           </a:p>
@@ -1904,7 +1904,7 @@
     </p:spTree>
     <p:extLst>
       <p:ext uri="{BB962C8B-B14F-4D97-AF65-F5344CB8AC3E}">
-        <p14:creationId xmlns:p14="http://schemas.microsoft.com/office/powerpoint/2010/main" val="3182925225"/>
+        <p14:creationId xmlns:p14="http://schemas.microsoft.com/office/powerpoint/2010/main" xmlns="" val="3182925225"/>
       </p:ext>
     </p:extLst>
   </p:cSld>
@@ -2131,7 +2131,7 @@
             <a:fld id="{E0C64F5E-737F-4F6B-9F15-DAA8DB3BF429}" type="datetimeFigureOut">
               <a:rPr lang="ko-KR" altLang="en-US" smtClean="0"/>
               <a:pPr/>
-              <a:t>2020-02-28</a:t>
+              <a:t>2020-03-01</a:t>
             </a:fld>
             <a:endParaRPr lang="ko-KR" altLang="en-US"/>
           </a:p>
@@ -2183,7 +2183,7 @@
     </p:spTree>
     <p:extLst>
       <p:ext uri="{BB962C8B-B14F-4D97-AF65-F5344CB8AC3E}">
-        <p14:creationId xmlns:p14="http://schemas.microsoft.com/office/powerpoint/2010/main" val="2055981885"/>
+        <p14:creationId xmlns:p14="http://schemas.microsoft.com/office/powerpoint/2010/main" xmlns="" val="2055981885"/>
       </p:ext>
     </p:extLst>
   </p:cSld>
@@ -2386,7 +2386,7 @@
             <a:fld id="{E0C64F5E-737F-4F6B-9F15-DAA8DB3BF429}" type="datetimeFigureOut">
               <a:rPr lang="ko-KR" altLang="en-US" smtClean="0"/>
               <a:pPr/>
-              <a:t>2020-02-28</a:t>
+              <a:t>2020-03-01</a:t>
             </a:fld>
             <a:endParaRPr lang="ko-KR" altLang="en-US"/>
           </a:p>
@@ -2438,7 +2438,7 @@
     </p:spTree>
     <p:extLst>
       <p:ext uri="{BB962C8B-B14F-4D97-AF65-F5344CB8AC3E}">
-        <p14:creationId xmlns:p14="http://schemas.microsoft.com/office/powerpoint/2010/main" val="2380209205"/>
+        <p14:creationId xmlns:p14="http://schemas.microsoft.com/office/powerpoint/2010/main" xmlns="" val="2380209205"/>
       </p:ext>
     </p:extLst>
   </p:cSld>
@@ -2601,7 +2601,7 @@
             <a:fld id="{E0C64F5E-737F-4F6B-9F15-DAA8DB3BF429}" type="datetimeFigureOut">
               <a:rPr lang="ko-KR" altLang="en-US" smtClean="0"/>
               <a:pPr/>
-              <a:t>2020-02-28</a:t>
+              <a:t>2020-03-01</a:t>
             </a:fld>
             <a:endParaRPr lang="ko-KR" altLang="en-US"/>
           </a:p>
@@ -2689,7 +2689,7 @@
     </p:spTree>
     <p:extLst>
       <p:ext uri="{BB962C8B-B14F-4D97-AF65-F5344CB8AC3E}">
-        <p14:creationId xmlns:p14="http://schemas.microsoft.com/office/powerpoint/2010/main" val="3261781086"/>
+        <p14:creationId xmlns:p14="http://schemas.microsoft.com/office/powerpoint/2010/main" xmlns="" val="3261781086"/>
       </p:ext>
     </p:extLst>
   </p:cSld>
@@ -3056,7 +3056,7 @@
     </p:spTree>
     <p:extLst>
       <p:ext uri="{BB962C8B-B14F-4D97-AF65-F5344CB8AC3E}">
-        <p14:creationId xmlns:p14="http://schemas.microsoft.com/office/powerpoint/2010/main" val="3189965589"/>
+        <p14:creationId xmlns:p14="http://schemas.microsoft.com/office/powerpoint/2010/main" xmlns="" val="3189965589"/>
       </p:ext>
     </p:extLst>
   </p:cSld>
@@ -3137,10 +3137,217 @@
           </a:p>
         </p:txBody>
       </p:sp>
+      <p:sp>
+        <p:nvSpPr>
+          <p:cNvPr id="4" name="TextBox 3"/>
+          <p:cNvSpPr txBox="1"/>
+          <p:nvPr/>
+        </p:nvSpPr>
+        <p:spPr>
+          <a:xfrm>
+            <a:off x="1029730" y="1886465"/>
+            <a:ext cx="3509319" cy="4247317"/>
+          </a:xfrm>
+          <a:prstGeom prst="rect">
+            <a:avLst/>
+          </a:prstGeom>
+          <a:noFill/>
+        </p:spPr>
+        <p:txBody>
+          <a:bodyPr wrap="square" rtlCol="0">
+            <a:spAutoFit/>
+          </a:bodyPr>
+          <a:lstStyle/>
+          <a:p>
+            <a:r>
+              <a:rPr lang="ko-KR" altLang="en-US" dirty="0" smtClean="0"/>
+              <a:t>로그인</a:t>
+            </a:r>
+            <a:r>
+              <a:rPr lang="en-US" altLang="ko-KR" dirty="0" smtClean="0"/>
+              <a:t>(</a:t>
+            </a:r>
+            <a:r>
+              <a:rPr lang="ko-KR" altLang="en-US" dirty="0" smtClean="0"/>
+              <a:t>일반</a:t>
+            </a:r>
+            <a:r>
+              <a:rPr lang="en-US" altLang="ko-KR" dirty="0" smtClean="0"/>
+              <a:t>, SNS </a:t>
+            </a:r>
+            <a:r>
+              <a:rPr lang="ko-KR" altLang="en-US" dirty="0" smtClean="0"/>
+              <a:t>로그인</a:t>
+            </a:r>
+            <a:r>
+              <a:rPr lang="en-US" altLang="ko-KR" dirty="0" smtClean="0"/>
+              <a:t>)</a:t>
+            </a:r>
+          </a:p>
+          <a:p>
+            <a:r>
+              <a:rPr lang="ko-KR" altLang="en-US" dirty="0" smtClean="0"/>
+              <a:t>회원가입</a:t>
+            </a:r>
+            <a:r>
+              <a:rPr lang="en-US" altLang="ko-KR" dirty="0" smtClean="0"/>
+              <a:t>, </a:t>
+            </a:r>
+          </a:p>
+          <a:p>
+            <a:r>
+              <a:rPr lang="ko-KR" altLang="en-US" dirty="0" smtClean="0"/>
+              <a:t>회원정보 수정</a:t>
+            </a:r>
+            <a:endParaRPr lang="en-US" altLang="ko-KR" dirty="0" smtClean="0"/>
+          </a:p>
+          <a:p>
+            <a:r>
+              <a:rPr lang="ko-KR" altLang="en-US" dirty="0" err="1" smtClean="0"/>
+              <a:t>렌탈</a:t>
+            </a:r>
+            <a:r>
+              <a:rPr lang="ko-KR" altLang="en-US" dirty="0" smtClean="0"/>
+              <a:t> 서비스 등록</a:t>
+            </a:r>
+            <a:r>
+              <a:rPr lang="en-US" altLang="ko-KR" dirty="0" smtClean="0"/>
+              <a:t> </a:t>
+            </a:r>
+          </a:p>
+          <a:p>
+            <a:r>
+              <a:rPr lang="ko-KR" altLang="en-US" dirty="0" err="1" smtClean="0"/>
+              <a:t>렌탈</a:t>
+            </a:r>
+            <a:r>
+              <a:rPr lang="ko-KR" altLang="en-US" dirty="0" smtClean="0"/>
+              <a:t> 서비스 신청</a:t>
+            </a:r>
+            <a:endParaRPr lang="en-US" altLang="ko-KR" dirty="0" smtClean="0"/>
+          </a:p>
+          <a:p>
+            <a:r>
+              <a:rPr lang="ko-KR" altLang="en-US" dirty="0" err="1" smtClean="0"/>
+              <a:t>렌탈</a:t>
+            </a:r>
+            <a:r>
+              <a:rPr lang="ko-KR" altLang="en-US" dirty="0" smtClean="0"/>
+              <a:t> 서비스 </a:t>
+            </a:r>
+            <a:r>
+              <a:rPr lang="ko-KR" altLang="en-US" dirty="0" smtClean="0"/>
+              <a:t>취소</a:t>
+            </a:r>
+            <a:endParaRPr lang="en-US" altLang="ko-KR" dirty="0" smtClean="0"/>
+          </a:p>
+          <a:p>
+            <a:r>
+              <a:rPr lang="ko-KR" altLang="en-US" dirty="0" smtClean="0"/>
+              <a:t>중고장터 </a:t>
+            </a:r>
+            <a:r>
+              <a:rPr lang="en-US" altLang="ko-KR" dirty="0" smtClean="0"/>
+              <a:t>(</a:t>
+            </a:r>
+            <a:r>
+              <a:rPr lang="ko-KR" altLang="en-US" dirty="0" smtClean="0"/>
+              <a:t>등록</a:t>
+            </a:r>
+            <a:r>
+              <a:rPr lang="en-US" altLang="ko-KR" dirty="0" smtClean="0"/>
+              <a:t>, </a:t>
+            </a:r>
+            <a:r>
+              <a:rPr lang="ko-KR" altLang="en-US" dirty="0" smtClean="0"/>
+              <a:t>구매</a:t>
+            </a:r>
+            <a:r>
+              <a:rPr lang="en-US" altLang="ko-KR" dirty="0" smtClean="0"/>
+              <a:t>, </a:t>
+            </a:r>
+            <a:r>
+              <a:rPr lang="ko-KR" altLang="en-US" dirty="0" smtClean="0"/>
+              <a:t>환불</a:t>
+            </a:r>
+            <a:r>
+              <a:rPr lang="en-US" altLang="ko-KR" dirty="0" smtClean="0"/>
+              <a:t>)</a:t>
+            </a:r>
+            <a:r>
+              <a:rPr lang="en-US" altLang="ko-KR" dirty="0" smtClean="0"/>
+              <a:t> </a:t>
+            </a:r>
+            <a:endParaRPr lang="en-US" altLang="ko-KR" dirty="0" smtClean="0"/>
+          </a:p>
+          <a:p>
+            <a:r>
+              <a:rPr lang="ko-KR" altLang="en-US" dirty="0" smtClean="0"/>
+              <a:t>신청 목록</a:t>
+            </a:r>
+            <a:endParaRPr lang="en-US" altLang="ko-KR" dirty="0" smtClean="0"/>
+          </a:p>
+          <a:p>
+            <a:r>
+              <a:rPr lang="ko-KR" altLang="en-US" dirty="0" smtClean="0"/>
+              <a:t>회원 신고</a:t>
+            </a:r>
+            <a:endParaRPr lang="en-US" altLang="ko-KR" b="1" dirty="0" smtClean="0"/>
+          </a:p>
+          <a:p>
+            <a:r>
+              <a:rPr lang="ko-KR" altLang="en-US" dirty="0" smtClean="0"/>
+              <a:t>공지사항</a:t>
+            </a:r>
+            <a:r>
+              <a:rPr lang="en-US" altLang="ko-KR" dirty="0" smtClean="0"/>
+              <a:t>, </a:t>
+            </a:r>
+          </a:p>
+          <a:p>
+            <a:r>
+              <a:rPr lang="en-US" altLang="ko-KR" dirty="0" smtClean="0"/>
+              <a:t>Q&amp;A</a:t>
+            </a:r>
+          </a:p>
+          <a:p>
+            <a:r>
+              <a:rPr lang="en-US" altLang="ko-KR" dirty="0" smtClean="0"/>
+              <a:t>1</a:t>
+            </a:r>
+            <a:r>
+              <a:rPr lang="ko-KR" altLang="en-US" dirty="0" smtClean="0"/>
+              <a:t>대</a:t>
+            </a:r>
+            <a:r>
+              <a:rPr lang="en-US" altLang="ko-KR" dirty="0" smtClean="0"/>
+              <a:t>1 </a:t>
+            </a:r>
+            <a:r>
+              <a:rPr lang="ko-KR" altLang="en-US" dirty="0" smtClean="0"/>
+              <a:t>문의</a:t>
+            </a:r>
+            <a:endParaRPr lang="en-US" altLang="ko-KR" dirty="0" smtClean="0"/>
+          </a:p>
+          <a:p>
+            <a:endParaRPr lang="en-US" altLang="ko-KR" dirty="0" smtClean="0"/>
+          </a:p>
+          <a:p>
+            <a:endParaRPr lang="en-US" altLang="ko-KR" dirty="0" smtClean="0"/>
+          </a:p>
+          <a:p>
+            <a:r>
+              <a:rPr lang="en-US" altLang="ko-KR" dirty="0" smtClean="0"/>
+              <a:t> </a:t>
+            </a:r>
+            <a:endParaRPr lang="ko-KR" altLang="en-US" dirty="0"/>
+          </a:p>
+        </p:txBody>
+      </p:sp>
     </p:spTree>
     <p:extLst>
       <p:ext uri="{BB962C8B-B14F-4D97-AF65-F5344CB8AC3E}">
-        <p14:creationId xmlns:p14="http://schemas.microsoft.com/office/powerpoint/2010/main" val="2796244275"/>
+        <p14:creationId xmlns:p14="http://schemas.microsoft.com/office/powerpoint/2010/main" xmlns="" val="2796244275"/>
       </p:ext>
     </p:extLst>
   </p:cSld>
@@ -3205,6 +3412,78 @@
           <a:bodyPr/>
           <a:lstStyle/>
           <a:p>
+            <a:r>
+              <a:rPr lang="ko-KR" altLang="en-US" dirty="0" smtClean="0"/>
+              <a:t>회원관리</a:t>
+            </a:r>
+            <a:r>
+              <a:rPr lang="en-US" altLang="ko-KR" dirty="0" smtClean="0"/>
+              <a:t>, </a:t>
+            </a:r>
+          </a:p>
+          <a:p>
+            <a:r>
+              <a:rPr lang="ko-KR" altLang="en-US" dirty="0" err="1" smtClean="0"/>
+              <a:t>렌탈</a:t>
+            </a:r>
+            <a:r>
+              <a:rPr lang="ko-KR" altLang="en-US" dirty="0" smtClean="0"/>
+              <a:t> 서비스 관리</a:t>
+            </a:r>
+            <a:r>
+              <a:rPr lang="en-US" altLang="ko-KR" dirty="0" smtClean="0"/>
+              <a:t>, </a:t>
+            </a:r>
+          </a:p>
+          <a:p>
+            <a:r>
+              <a:rPr lang="ko-KR" altLang="en-US" dirty="0" smtClean="0"/>
+              <a:t>회원 신고 관리</a:t>
+            </a:r>
+            <a:r>
+              <a:rPr lang="en-US" altLang="ko-KR" dirty="0" smtClean="0"/>
+              <a:t> , </a:t>
+            </a:r>
+            <a:endParaRPr lang="en-US" altLang="ko-KR" dirty="0" smtClean="0"/>
+          </a:p>
+          <a:p>
+            <a:r>
+              <a:rPr lang="ko-KR" altLang="en-US" dirty="0" smtClean="0"/>
+              <a:t>중고장터 관리</a:t>
+            </a:r>
+            <a:endParaRPr lang="en-US" altLang="ko-KR" dirty="0" smtClean="0"/>
+          </a:p>
+          <a:p>
+            <a:r>
+              <a:rPr lang="ko-KR" altLang="en-US" dirty="0" smtClean="0"/>
+              <a:t>커뮤니티 관리</a:t>
+            </a:r>
+            <a:r>
+              <a:rPr lang="en-US" altLang="ko-KR" dirty="0" smtClean="0"/>
+              <a:t>(</a:t>
+            </a:r>
+            <a:r>
+              <a:rPr lang="ko-KR" altLang="en-US" dirty="0" smtClean="0"/>
+              <a:t>공지사항</a:t>
+            </a:r>
+            <a:r>
+              <a:rPr lang="en-US" altLang="ko-KR" dirty="0" smtClean="0"/>
+              <a:t>,</a:t>
+            </a:r>
+            <a:r>
+              <a:rPr lang="ko-KR" altLang="en-US" dirty="0" smtClean="0"/>
+              <a:t> </a:t>
+            </a:r>
+            <a:r>
+              <a:rPr lang="en-US" altLang="ko-KR" dirty="0" smtClean="0"/>
+              <a:t>Q&amp;A), </a:t>
+            </a:r>
+          </a:p>
+          <a:p>
+            <a:r>
+              <a:rPr lang="ko-KR" altLang="en-US" dirty="0" smtClean="0"/>
+              <a:t>실시간 상담</a:t>
+            </a:r>
             <a:endParaRPr lang="ko-KR" altLang="en-US" dirty="0"/>
           </a:p>
         </p:txBody>
@@ -3212,7 +3491,7 @@
     </p:spTree>
     <p:extLst>
       <p:ext uri="{BB962C8B-B14F-4D97-AF65-F5344CB8AC3E}">
-        <p14:creationId xmlns:p14="http://schemas.microsoft.com/office/powerpoint/2010/main" val="4088106745"/>
+        <p14:creationId xmlns:p14="http://schemas.microsoft.com/office/powerpoint/2010/main" xmlns="" val="4088106745"/>
       </p:ext>
     </p:extLst>
   </p:cSld>
@@ -3299,7 +3578,7 @@
     </p:spTree>
     <p:extLst>
       <p:ext uri="{BB962C8B-B14F-4D97-AF65-F5344CB8AC3E}">
-        <p14:creationId xmlns:p14="http://schemas.microsoft.com/office/powerpoint/2010/main" val="1558768620"/>
+        <p14:creationId xmlns:p14="http://schemas.microsoft.com/office/powerpoint/2010/main" xmlns="" val="1558768620"/>
       </p:ext>
     </p:extLst>
   </p:cSld>
@@ -3564,7 +3843,7 @@
   <a:extraClrSchemeLst/>
   <a:extLst>
     <a:ext uri="{05A4C25C-085E-4340-85A3-A5531E510DB2}">
-      <thm15:themeFamily xmlns:thm15="http://schemas.microsoft.com/office/thememl/2012/main" xmlns="" name="Office Theme" id="{62F939B6-93AF-4DB8-9C6B-D6C7DFDC589F}" vid="{4A3C46E8-61CC-4603-A589-7422A47A8E4A}"/>
+      <thm15:themeFamily xmlns="" xmlns:thm15="http://schemas.microsoft.com/office/thememl/2012/main" name="Office Theme" id="{62F939B6-93AF-4DB8-9C6B-D6C7DFDC589F}" vid="{4A3C46E8-61CC-4603-A589-7422A47A8E4A}"/>
     </a:ext>
   </a:extLst>
 </a:theme>
